--- a/Weekly-Reports/PaperDraft.pptx
+++ b/Weekly-Reports/PaperDraft.pptx
@@ -252,7 +252,7 @@
           <a:p>
             <a:fld id="{A1E370E7-FD7C-42BE-A47A-6B56B536AAD9}" type="datetimeFigureOut">
               <a:rPr lang="sv-SE" smtClean="0"/>
-              <a:t>2023-11-10</a:t>
+              <a:t>2023-11-16</a:t>
             </a:fld>
             <a:endParaRPr lang="sv-SE"/>
           </a:p>
@@ -422,7 +422,7 @@
           <a:p>
             <a:fld id="{A1E370E7-FD7C-42BE-A47A-6B56B536AAD9}" type="datetimeFigureOut">
               <a:rPr lang="sv-SE" smtClean="0"/>
-              <a:t>2023-11-10</a:t>
+              <a:t>2023-11-16</a:t>
             </a:fld>
             <a:endParaRPr lang="sv-SE"/>
           </a:p>
@@ -602,7 +602,7 @@
           <a:p>
             <a:fld id="{A1E370E7-FD7C-42BE-A47A-6B56B536AAD9}" type="datetimeFigureOut">
               <a:rPr lang="sv-SE" smtClean="0"/>
-              <a:t>2023-11-10</a:t>
+              <a:t>2023-11-16</a:t>
             </a:fld>
             <a:endParaRPr lang="sv-SE"/>
           </a:p>
@@ -772,7 +772,7 @@
           <a:p>
             <a:fld id="{A1E370E7-FD7C-42BE-A47A-6B56B536AAD9}" type="datetimeFigureOut">
               <a:rPr lang="sv-SE" smtClean="0"/>
-              <a:t>2023-11-10</a:t>
+              <a:t>2023-11-16</a:t>
             </a:fld>
             <a:endParaRPr lang="sv-SE"/>
           </a:p>
@@ -1018,7 +1018,7 @@
           <a:p>
             <a:fld id="{A1E370E7-FD7C-42BE-A47A-6B56B536AAD9}" type="datetimeFigureOut">
               <a:rPr lang="sv-SE" smtClean="0"/>
-              <a:t>2023-11-10</a:t>
+              <a:t>2023-11-16</a:t>
             </a:fld>
             <a:endParaRPr lang="sv-SE"/>
           </a:p>
@@ -1250,7 +1250,7 @@
           <a:p>
             <a:fld id="{A1E370E7-FD7C-42BE-A47A-6B56B536AAD9}" type="datetimeFigureOut">
               <a:rPr lang="sv-SE" smtClean="0"/>
-              <a:t>2023-11-10</a:t>
+              <a:t>2023-11-16</a:t>
             </a:fld>
             <a:endParaRPr lang="sv-SE"/>
           </a:p>
@@ -1617,7 +1617,7 @@
           <a:p>
             <a:fld id="{A1E370E7-FD7C-42BE-A47A-6B56B536AAD9}" type="datetimeFigureOut">
               <a:rPr lang="sv-SE" smtClean="0"/>
-              <a:t>2023-11-10</a:t>
+              <a:t>2023-11-16</a:t>
             </a:fld>
             <a:endParaRPr lang="sv-SE"/>
           </a:p>
@@ -1735,7 +1735,7 @@
           <a:p>
             <a:fld id="{A1E370E7-FD7C-42BE-A47A-6B56B536AAD9}" type="datetimeFigureOut">
               <a:rPr lang="sv-SE" smtClean="0"/>
-              <a:t>2023-11-10</a:t>
+              <a:t>2023-11-16</a:t>
             </a:fld>
             <a:endParaRPr lang="sv-SE"/>
           </a:p>
@@ -1830,7 +1830,7 @@
           <a:p>
             <a:fld id="{A1E370E7-FD7C-42BE-A47A-6B56B536AAD9}" type="datetimeFigureOut">
               <a:rPr lang="sv-SE" smtClean="0"/>
-              <a:t>2023-11-10</a:t>
+              <a:t>2023-11-16</a:t>
             </a:fld>
             <a:endParaRPr lang="sv-SE"/>
           </a:p>
@@ -2107,7 +2107,7 @@
           <a:p>
             <a:fld id="{A1E370E7-FD7C-42BE-A47A-6B56B536AAD9}" type="datetimeFigureOut">
               <a:rPr lang="sv-SE" smtClean="0"/>
-              <a:t>2023-11-10</a:t>
+              <a:t>2023-11-16</a:t>
             </a:fld>
             <a:endParaRPr lang="sv-SE"/>
           </a:p>
@@ -2360,7 +2360,7 @@
           <a:p>
             <a:fld id="{A1E370E7-FD7C-42BE-A47A-6B56B536AAD9}" type="datetimeFigureOut">
               <a:rPr lang="sv-SE" smtClean="0"/>
-              <a:t>2023-11-10</a:t>
+              <a:t>2023-11-16</a:t>
             </a:fld>
             <a:endParaRPr lang="sv-SE"/>
           </a:p>
@@ -2573,7 +2573,7 @@
           <a:p>
             <a:fld id="{A1E370E7-FD7C-42BE-A47A-6B56B536AAD9}" type="datetimeFigureOut">
               <a:rPr lang="sv-SE" smtClean="0"/>
-              <a:t>2023-11-10</a:t>
+              <a:t>2023-11-16</a:t>
             </a:fld>
             <a:endParaRPr lang="sv-SE"/>
           </a:p>
@@ -12312,7 +12312,7 @@
         </p:nvCxnSpPr>
         <p:spPr>
           <a:xfrm>
-            <a:off x="3489960" y="1752600"/>
+            <a:off x="3489960" y="1991575"/>
             <a:ext cx="5234940" cy="22860"/>
           </a:xfrm>
           <a:prstGeom prst="straightConnector1">
